--- a/图解朱-刘算法.pptx
+++ b/图解朱-刘算法.pptx
@@ -222,7 +222,7 @@
           <a:p>
             <a:fld id="{1EAF0E99-DAD2-4DB0-A11D-671AB3AEBB15}" type="datetimeFigureOut">
               <a:rPr lang="zh-CN" altLang="en-US" smtClean="0"/>
-              <a:t>2020/11/23 Monday</a:t>
+              <a:t>2020/11/30 Monday</a:t>
             </a:fld>
             <a:endParaRPr lang="zh-CN" altLang="en-US"/>
           </a:p>
@@ -1908,7 +1908,7 @@
           <a:p>
             <a:fld id="{E648AFBE-CB95-410C-9170-E8C374E6C10C}" type="datetimeFigureOut">
               <a:rPr lang="zh-CN" altLang="en-US" smtClean="0"/>
-              <a:t>2020/11/23 Monday</a:t>
+              <a:t>2020/11/30 Monday</a:t>
             </a:fld>
             <a:endParaRPr lang="zh-CN" altLang="en-US"/>
           </a:p>
@@ -2118,7 +2118,7 @@
           <a:p>
             <a:fld id="{E648AFBE-CB95-410C-9170-E8C374E6C10C}" type="datetimeFigureOut">
               <a:rPr lang="zh-CN" altLang="en-US" smtClean="0"/>
-              <a:t>2020/11/23 Monday</a:t>
+              <a:t>2020/11/30 Monday</a:t>
             </a:fld>
             <a:endParaRPr lang="zh-CN" altLang="en-US"/>
           </a:p>
@@ -2338,7 +2338,7 @@
           <a:p>
             <a:fld id="{E648AFBE-CB95-410C-9170-E8C374E6C10C}" type="datetimeFigureOut">
               <a:rPr lang="zh-CN" altLang="en-US" smtClean="0"/>
-              <a:t>2020/11/23 Monday</a:t>
+              <a:t>2020/11/30 Monday</a:t>
             </a:fld>
             <a:endParaRPr lang="zh-CN" altLang="en-US"/>
           </a:p>
@@ -2684,7 +2684,7 @@
           <a:p>
             <a:fld id="{E648AFBE-CB95-410C-9170-E8C374E6C10C}" type="datetimeFigureOut">
               <a:rPr lang="zh-CN" altLang="en-US" smtClean="0"/>
-              <a:t>2020/11/23 Monday</a:t>
+              <a:t>2020/11/30 Monday</a:t>
             </a:fld>
             <a:endParaRPr lang="zh-CN" altLang="en-US"/>
           </a:p>
@@ -2971,7 +2971,7 @@
           <a:p>
             <a:fld id="{E648AFBE-CB95-410C-9170-E8C374E6C10C}" type="datetimeFigureOut">
               <a:rPr lang="zh-CN" altLang="en-US" smtClean="0"/>
-              <a:t>2020/11/23 Monday</a:t>
+              <a:t>2020/11/30 Monday</a:t>
             </a:fld>
             <a:endParaRPr lang="zh-CN" altLang="en-US"/>
           </a:p>
@@ -3248,7 +3248,7 @@
           <a:p>
             <a:fld id="{E648AFBE-CB95-410C-9170-E8C374E6C10C}" type="datetimeFigureOut">
               <a:rPr lang="zh-CN" altLang="en-US" smtClean="0"/>
-              <a:t>2020/11/23 Monday</a:t>
+              <a:t>2020/11/30 Monday</a:t>
             </a:fld>
             <a:endParaRPr lang="zh-CN" altLang="en-US"/>
           </a:p>
@@ -3672,7 +3672,7 @@
           <a:p>
             <a:fld id="{E648AFBE-CB95-410C-9170-E8C374E6C10C}" type="datetimeFigureOut">
               <a:rPr lang="zh-CN" altLang="en-US" smtClean="0"/>
-              <a:t>2020/11/23 Monday</a:t>
+              <a:t>2020/11/30 Monday</a:t>
             </a:fld>
             <a:endParaRPr lang="zh-CN" altLang="en-US"/>
           </a:p>
@@ -4294,7 +4294,7 @@
           <a:p>
             <a:fld id="{E648AFBE-CB95-410C-9170-E8C374E6C10C}" type="datetimeFigureOut">
               <a:rPr lang="zh-CN" altLang="en-US" smtClean="0"/>
-              <a:t>2020/11/23 Monday</a:t>
+              <a:t>2020/11/30 Monday</a:t>
             </a:fld>
             <a:endParaRPr lang="zh-CN" altLang="en-US"/>
           </a:p>
@@ -4419,7 +4419,7 @@
           <a:p>
             <a:fld id="{E648AFBE-CB95-410C-9170-E8C374E6C10C}" type="datetimeFigureOut">
               <a:rPr lang="zh-CN" altLang="en-US" smtClean="0"/>
-              <a:t>2020/11/23 Monday</a:t>
+              <a:t>2020/11/30 Monday</a:t>
             </a:fld>
             <a:endParaRPr lang="zh-CN" altLang="en-US"/>
           </a:p>
@@ -4909,7 +4909,7 @@
           <a:p>
             <a:fld id="{E648AFBE-CB95-410C-9170-E8C374E6C10C}" type="datetimeFigureOut">
               <a:rPr lang="zh-CN" altLang="en-US" smtClean="0"/>
-              <a:t>2020/11/23 Monday</a:t>
+              <a:t>2020/11/30 Monday</a:t>
             </a:fld>
             <a:endParaRPr lang="zh-CN" altLang="en-US"/>
           </a:p>
@@ -5209,7 +5209,7 @@
           <a:p>
             <a:fld id="{E648AFBE-CB95-410C-9170-E8C374E6C10C}" type="datetimeFigureOut">
               <a:rPr lang="zh-CN" altLang="en-US" smtClean="0"/>
-              <a:t>2020/11/23 Monday</a:t>
+              <a:t>2020/11/30 Monday</a:t>
             </a:fld>
             <a:endParaRPr lang="zh-CN" altLang="en-US"/>
           </a:p>
@@ -5462,7 +5462,7 @@
           <a:p>
             <a:fld id="{E648AFBE-CB95-410C-9170-E8C374E6C10C}" type="datetimeFigureOut">
               <a:rPr lang="zh-CN" altLang="en-US" smtClean="0"/>
-              <a:t>2020/11/23 Monday</a:t>
+              <a:t>2020/11/30 Monday</a:t>
             </a:fld>
             <a:endParaRPr lang="zh-CN" altLang="en-US"/>
           </a:p>
@@ -8177,7 +8177,7 @@
           <a:graphicData uri="http://schemas.openxmlformats.org/presentationml/2006/ole">
             <mc:AlternateContent xmlns:mc="http://schemas.openxmlformats.org/markup-compatibility/2006">
               <mc:Choice xmlns:v="urn:schemas-microsoft-com:vml" Requires="v">
-                <p:oleObj spid="_x0000_s1049" name="Equation" r:id="rId4" imgW="1346040" imgH="228600" progId="Equation.DSMT4">
+                <p:oleObj spid="_x0000_s1050" name="Equation" r:id="rId4" imgW="1346040" imgH="228600" progId="Equation.DSMT4">
                   <p:embed/>
                 </p:oleObj>
               </mc:Choice>
@@ -12463,7 +12463,7 @@
           <p:nvPr>
             <p:extLst>
               <p:ext uri="{D42A27DB-BD31-4B8C-83A1-F6EECF244321}">
-                <p14:modId xmlns:p14="http://schemas.microsoft.com/office/powerpoint/2010/main" val="3172047275"/>
+                <p14:modId xmlns:p14="http://schemas.microsoft.com/office/powerpoint/2010/main" val="1117612754"/>
               </p:ext>
             </p:extLst>
           </p:nvPr>
@@ -12643,7 +12643,7 @@
                       <a:pPr algn="ctr"/>
                       <a:r>
                         <a:rPr lang="en-US" altLang="zh-CN" dirty="0"/>
-                        <a:t>0</a:t>
+                        <a:t>-1</a:t>
                       </a:r>
                       <a:endParaRPr lang="zh-CN" altLang="en-US" dirty="0"/>
                     </a:p>
@@ -12658,7 +12658,7 @@
                       <a:pPr algn="ctr"/>
                       <a:r>
                         <a:rPr lang="en-US" altLang="zh-CN" dirty="0"/>
-                        <a:t>0</a:t>
+                        <a:t>-1</a:t>
                       </a:r>
                       <a:endParaRPr lang="zh-CN" altLang="en-US" dirty="0"/>
                     </a:p>
@@ -12673,7 +12673,7 @@
                       <a:pPr algn="ctr"/>
                       <a:r>
                         <a:rPr lang="en-US" altLang="zh-CN" dirty="0"/>
-                        <a:t>0</a:t>
+                        <a:t>-1</a:t>
                       </a:r>
                       <a:endParaRPr lang="zh-CN" altLang="en-US" dirty="0"/>
                     </a:p>
@@ -15571,7 +15571,7 @@
           <p:nvPr>
             <p:extLst>
               <p:ext uri="{D42A27DB-BD31-4B8C-83A1-F6EECF244321}">
-                <p14:modId xmlns:p14="http://schemas.microsoft.com/office/powerpoint/2010/main" val="3786473946"/>
+                <p14:modId xmlns:p14="http://schemas.microsoft.com/office/powerpoint/2010/main" val="4265400688"/>
               </p:ext>
             </p:extLst>
           </p:nvPr>
@@ -15751,7 +15751,7 @@
                       <a:pPr algn="ctr"/>
                       <a:r>
                         <a:rPr lang="en-US" altLang="zh-CN" dirty="0"/>
-                        <a:t>0</a:t>
+                        <a:t>-1</a:t>
                       </a:r>
                       <a:endParaRPr lang="zh-CN" altLang="en-US" dirty="0"/>
                     </a:p>
@@ -31518,7 +31518,7 @@
                     <a:srgbClr val="FF0000"/>
                   </a:solidFill>
                 </a:rPr>
-                <a:t>V = P = 6</a:t>
+                <a:t>V = P = 5</a:t>
               </a:r>
               <a:endParaRPr lang="zh-CN" altLang="en-US" sz="1200" b="1" dirty="0">
                 <a:solidFill>
